--- a/Scrum_Unterlagen/Reviews/Sprint02_Review.pptx
+++ b/Scrum_Unterlagen/Reviews/Sprint02_Review.pptx
@@ -5,10 +5,10 @@
     <p:sldMasterId id="2147483648" r:id="rId3"/>
   </p:sldMasterIdLst>
   <p:notesMasterIdLst>
-    <p:notesMasterId r:id="rId11"/>
+    <p:notesMasterId r:id="rId15"/>
   </p:notesMasterIdLst>
   <p:handoutMasterIdLst>
-    <p:handoutMasterId r:id="rId12"/>
+    <p:handoutMasterId r:id="rId16"/>
   </p:handoutMasterIdLst>
   <p:sldIdLst>
     <p:sldId id="361" r:id="rId4"/>
@@ -18,6 +18,10 @@
     <p:sldId id="570" r:id="rId8"/>
     <p:sldId id="584" r:id="rId9"/>
     <p:sldId id="585" r:id="rId10"/>
+    <p:sldId id="588" r:id="rId11"/>
+    <p:sldId id="589" r:id="rId12"/>
+    <p:sldId id="590" r:id="rId13"/>
+    <p:sldId id="591" r:id="rId14"/>
   </p:sldIdLst>
   <p:sldSz cx="9144000" cy="6858000" type="screen4x3"/>
   <p:notesSz cx="7099300" cy="10234613"/>
@@ -233,7 +237,7 @@
             </a:pPr>
             <a:fld id="{3953DA5E-C6E2-4FA2-8BC8-7FF9A5EB6734}" type="datetimeFigureOut">
               <a:rPr lang="de-DE"/>
-              <a:t>02.03.2023</a:t>
+              <a:t>08.03.2023</a:t>
             </a:fld>
             <a:endParaRPr lang="de-DE"/>
           </a:p>
@@ -414,7 +418,7 @@
           <a:p>
             <a:fld id="{88DE360A-102B-474E-BEC0-79AC7566E430}" type="datetimeFigureOut">
               <a:rPr lang="en-US" smtClean="0"/>
-              <a:t>3/2/2023</a:t>
+              <a:t>3/8/2023</a:t>
             </a:fld>
             <a:endParaRPr lang="en-US"/>
           </a:p>
@@ -4804,6 +4808,310 @@
         </p:txBody>
       </p:sp>
     </p:spTree>
+  </p:cSld>
+  <p:clrMapOvr>
+    <a:masterClrMapping/>
+  </p:clrMapOvr>
+</p:sld>
+</file>
+
+<file path=ppt/slides/slide10.xml><?xml version="1.0" encoding="utf-8"?>
+<p:sld xmlns:a="http://schemas.openxmlformats.org/drawingml/2006/main" xmlns:r="http://schemas.openxmlformats.org/officeDocument/2006/relationships" xmlns:p="http://schemas.openxmlformats.org/presentationml/2006/main">
+  <p:cSld>
+    <p:spTree>
+      <p:nvGrpSpPr>
+        <p:cNvPr id="1" name=""/>
+        <p:cNvGrpSpPr/>
+        <p:nvPr/>
+      </p:nvGrpSpPr>
+      <p:grpSpPr>
+        <a:xfrm>
+          <a:off x="0" y="0"/>
+          <a:ext cx="0" cy="0"/>
+          <a:chOff x="0" y="0"/>
+          <a:chExt cx="0" cy="0"/>
+        </a:xfrm>
+      </p:grpSpPr>
+      <p:sp>
+        <p:nvSpPr>
+          <p:cNvPr id="2" name="Title 1"/>
+          <p:cNvSpPr>
+            <a:spLocks noGrp="1"/>
+          </p:cNvSpPr>
+          <p:nvPr>
+            <p:ph type="title"/>
+          </p:nvPr>
+        </p:nvSpPr>
+        <p:spPr/>
+        <p:txBody>
+          <a:bodyPr/>
+          <a:lstStyle/>
+          <a:p>
+            <a:r>
+              <a:rPr lang="de-DE" altLang="en-US" dirty="0">
+                <a:latin typeface="Calibri" panose="020F0502020204030204" charset="0"/>
+              </a:rPr>
+              <a:t>Sprint Demo - Design</a:t>
+            </a:r>
+          </a:p>
+        </p:txBody>
+      </p:sp>
+      <p:sp>
+        <p:nvSpPr>
+          <p:cNvPr id="8" name="Footer Placeholder 7"/>
+          <p:cNvSpPr>
+            <a:spLocks noGrp="1"/>
+          </p:cNvSpPr>
+          <p:nvPr>
+            <p:ph type="ftr" sz="quarter" idx="11"/>
+          </p:nvPr>
+        </p:nvSpPr>
+        <p:spPr/>
+        <p:txBody>
+          <a:bodyPr/>
+          <a:lstStyle/>
+          <a:p>
+            <a:pPr>
+              <a:defRPr/>
+            </a:pPr>
+            <a:r>
+              <a:rPr lang="de-DE"/>
+              <a:t>DI(FH) Falkensteiner Markus</a:t>
+            </a:r>
+          </a:p>
+        </p:txBody>
+      </p:sp>
+      <p:sp>
+        <p:nvSpPr>
+          <p:cNvPr id="9" name="Slide Number Placeholder 8"/>
+          <p:cNvSpPr>
+            <a:spLocks noGrp="1"/>
+          </p:cNvSpPr>
+          <p:nvPr>
+            <p:ph type="sldNum" sz="quarter" idx="12"/>
+          </p:nvPr>
+        </p:nvSpPr>
+        <p:spPr/>
+        <p:txBody>
+          <a:bodyPr/>
+          <a:lstStyle/>
+          <a:p>
+            <a:pPr>
+              <a:defRPr/>
+            </a:pPr>
+            <a:fld id="{AE4538FE-AEB4-413B-B741-EC1BAEEF6B8F}" type="slidenum">
+              <a:rPr lang="de-AT" smtClean="0"/>
+              <a:t>10</a:t>
+            </a:fld>
+            <a:endParaRPr lang="de-AT"/>
+          </a:p>
+        </p:txBody>
+      </p:sp>
+      <p:pic>
+        <p:nvPicPr>
+          <p:cNvPr id="3074" name="Picture 2">
+            <a:extLst>
+              <a:ext uri="{FF2B5EF4-FFF2-40B4-BE49-F238E27FC236}">
+                <a16:creationId xmlns:a16="http://schemas.microsoft.com/office/drawing/2014/main" id="{518EEC9F-58E0-AC5E-29C3-7D90EDA49878}"/>
+              </a:ext>
+            </a:extLst>
+          </p:cNvPr>
+          <p:cNvPicPr>
+            <a:picLocks noChangeAspect="1" noChangeArrowheads="1"/>
+          </p:cNvPicPr>
+          <p:nvPr/>
+        </p:nvPicPr>
+        <p:blipFill>
+          <a:blip r:embed="rId2">
+            <a:extLst>
+              <a:ext uri="{28A0092B-C50C-407E-A947-70E740481C1C}">
+                <a14:useLocalDpi xmlns:a14="http://schemas.microsoft.com/office/drawing/2010/main" val="0"/>
+              </a:ext>
+            </a:extLst>
+          </a:blip>
+          <a:srcRect/>
+          <a:stretch>
+            <a:fillRect/>
+          </a:stretch>
+        </p:blipFill>
+        <p:spPr bwMode="auto">
+          <a:xfrm>
+            <a:off x="1205880" y="1568980"/>
+            <a:ext cx="6732240" cy="4787371"/>
+          </a:xfrm>
+          <a:prstGeom prst="rect">
+            <a:avLst/>
+          </a:prstGeom>
+          <a:noFill/>
+          <a:extLst>
+            <a:ext uri="{909E8E84-426E-40DD-AFC4-6F175D3DCCD1}">
+              <a14:hiddenFill xmlns:a14="http://schemas.microsoft.com/office/drawing/2010/main">
+                <a:solidFill>
+                  <a:srgbClr val="FFFFFF"/>
+                </a:solidFill>
+              </a14:hiddenFill>
+            </a:ext>
+          </a:extLst>
+        </p:spPr>
+      </p:pic>
+    </p:spTree>
+    <p:extLst>
+      <p:ext uri="{BB962C8B-B14F-4D97-AF65-F5344CB8AC3E}">
+        <p14:creationId xmlns:p14="http://schemas.microsoft.com/office/powerpoint/2010/main" val="1407070689"/>
+      </p:ext>
+    </p:extLst>
+  </p:cSld>
+  <p:clrMapOvr>
+    <a:masterClrMapping/>
+  </p:clrMapOvr>
+</p:sld>
+</file>
+
+<file path=ppt/slides/slide11.xml><?xml version="1.0" encoding="utf-8"?>
+<p:sld xmlns:a="http://schemas.openxmlformats.org/drawingml/2006/main" xmlns:r="http://schemas.openxmlformats.org/officeDocument/2006/relationships" xmlns:p="http://schemas.openxmlformats.org/presentationml/2006/main">
+  <p:cSld>
+    <p:spTree>
+      <p:nvGrpSpPr>
+        <p:cNvPr id="1" name=""/>
+        <p:cNvGrpSpPr/>
+        <p:nvPr/>
+      </p:nvGrpSpPr>
+      <p:grpSpPr>
+        <a:xfrm>
+          <a:off x="0" y="0"/>
+          <a:ext cx="0" cy="0"/>
+          <a:chOff x="0" y="0"/>
+          <a:chExt cx="0" cy="0"/>
+        </a:xfrm>
+      </p:grpSpPr>
+      <p:sp>
+        <p:nvSpPr>
+          <p:cNvPr id="2" name="Title 1"/>
+          <p:cNvSpPr>
+            <a:spLocks noGrp="1"/>
+          </p:cNvSpPr>
+          <p:nvPr>
+            <p:ph type="title"/>
+          </p:nvPr>
+        </p:nvSpPr>
+        <p:spPr/>
+        <p:txBody>
+          <a:bodyPr/>
+          <a:lstStyle/>
+          <a:p>
+            <a:r>
+              <a:rPr lang="de-DE" altLang="en-US" dirty="0">
+                <a:latin typeface="Calibri" panose="020F0502020204030204" charset="0"/>
+              </a:rPr>
+              <a:t>Sprint Demo - Design</a:t>
+            </a:r>
+          </a:p>
+        </p:txBody>
+      </p:sp>
+      <p:sp>
+        <p:nvSpPr>
+          <p:cNvPr id="8" name="Footer Placeholder 7"/>
+          <p:cNvSpPr>
+            <a:spLocks noGrp="1"/>
+          </p:cNvSpPr>
+          <p:nvPr>
+            <p:ph type="ftr" sz="quarter" idx="11"/>
+          </p:nvPr>
+        </p:nvSpPr>
+        <p:spPr/>
+        <p:txBody>
+          <a:bodyPr/>
+          <a:lstStyle/>
+          <a:p>
+            <a:pPr>
+              <a:defRPr/>
+            </a:pPr>
+            <a:r>
+              <a:rPr lang="de-DE"/>
+              <a:t>DI(FH) Falkensteiner Markus</a:t>
+            </a:r>
+          </a:p>
+        </p:txBody>
+      </p:sp>
+      <p:sp>
+        <p:nvSpPr>
+          <p:cNvPr id="9" name="Slide Number Placeholder 8"/>
+          <p:cNvSpPr>
+            <a:spLocks noGrp="1"/>
+          </p:cNvSpPr>
+          <p:nvPr>
+            <p:ph type="sldNum" sz="quarter" idx="12"/>
+          </p:nvPr>
+        </p:nvSpPr>
+        <p:spPr/>
+        <p:txBody>
+          <a:bodyPr/>
+          <a:lstStyle/>
+          <a:p>
+            <a:pPr>
+              <a:defRPr/>
+            </a:pPr>
+            <a:fld id="{AE4538FE-AEB4-413B-B741-EC1BAEEF6B8F}" type="slidenum">
+              <a:rPr lang="de-AT" smtClean="0"/>
+              <a:t>11</a:t>
+            </a:fld>
+            <a:endParaRPr lang="de-AT"/>
+          </a:p>
+        </p:txBody>
+      </p:sp>
+      <p:pic>
+        <p:nvPicPr>
+          <p:cNvPr id="5122" name="Picture 2">
+            <a:extLst>
+              <a:ext uri="{FF2B5EF4-FFF2-40B4-BE49-F238E27FC236}">
+                <a16:creationId xmlns:a16="http://schemas.microsoft.com/office/drawing/2014/main" id="{B9C55808-8B38-BF85-1643-8A4FF1B5CEDC}"/>
+              </a:ext>
+            </a:extLst>
+          </p:cNvPr>
+          <p:cNvPicPr>
+            <a:picLocks noChangeAspect="1" noChangeArrowheads="1"/>
+          </p:cNvPicPr>
+          <p:nvPr/>
+        </p:nvPicPr>
+        <p:blipFill>
+          <a:blip r:embed="rId2">
+            <a:extLst>
+              <a:ext uri="{28A0092B-C50C-407E-A947-70E740481C1C}">
+                <a14:useLocalDpi xmlns:a14="http://schemas.microsoft.com/office/drawing/2010/main" val="0"/>
+              </a:ext>
+            </a:extLst>
+          </a:blip>
+          <a:srcRect/>
+          <a:stretch>
+            <a:fillRect/>
+          </a:stretch>
+        </p:blipFill>
+        <p:spPr bwMode="auto">
+          <a:xfrm>
+            <a:off x="1106742" y="1468894"/>
+            <a:ext cx="6930516" cy="4887457"/>
+          </a:xfrm>
+          <a:prstGeom prst="rect">
+            <a:avLst/>
+          </a:prstGeom>
+          <a:noFill/>
+          <a:extLst>
+            <a:ext uri="{909E8E84-426E-40DD-AFC4-6F175D3DCCD1}">
+              <a14:hiddenFill xmlns:a14="http://schemas.microsoft.com/office/drawing/2010/main">
+                <a:solidFill>
+                  <a:srgbClr val="FFFFFF"/>
+                </a:solidFill>
+              </a14:hiddenFill>
+            </a:ext>
+          </a:extLst>
+        </p:spPr>
+      </p:pic>
+    </p:spTree>
+    <p:extLst>
+      <p:ext uri="{BB962C8B-B14F-4D97-AF65-F5344CB8AC3E}">
+        <p14:creationId xmlns:p14="http://schemas.microsoft.com/office/powerpoint/2010/main" val="1027909011"/>
+      </p:ext>
+    </p:extLst>
   </p:cSld>
   <p:clrMapOvr>
     <a:masterClrMapping/>
@@ -6057,7 +6365,7 @@
                 <a:latin typeface="Calibri" panose="020F0502020204030204" charset="0"/>
                 <a:sym typeface="+mn-ea"/>
               </a:rPr>
-              <a:t>Verbleibende Storypoints in Product Backlog:	93</a:t>
+              <a:t>Verbleibende Storypoints in Product Backlog:	101</a:t>
             </a:r>
             <a:endParaRPr lang="de-DE" sz="1400" dirty="0">
               <a:latin typeface="Calibri" panose="020F0502020204030204" charset="0"/>
@@ -6116,6 +6424,36 @@
           </a:p>
         </p:txBody>
       </p:sp>
+      <p:pic>
+        <p:nvPicPr>
+          <p:cNvPr id="4" name="Grafik 3">
+            <a:extLst>
+              <a:ext uri="{FF2B5EF4-FFF2-40B4-BE49-F238E27FC236}">
+                <a16:creationId xmlns:a16="http://schemas.microsoft.com/office/drawing/2014/main" id="{F7B587D7-9315-4BCB-B499-5C5D878151F5}"/>
+              </a:ext>
+            </a:extLst>
+          </p:cNvPr>
+          <p:cNvPicPr>
+            <a:picLocks noChangeAspect="1"/>
+          </p:cNvPicPr>
+          <p:nvPr/>
+        </p:nvPicPr>
+        <p:blipFill>
+          <a:blip r:embed="rId2"/>
+          <a:stretch>
+            <a:fillRect/>
+          </a:stretch>
+        </p:blipFill>
+        <p:spPr>
+          <a:xfrm>
+            <a:off x="674694" y="1793503"/>
+            <a:ext cx="7794612" cy="4927973"/>
+          </a:xfrm>
+          <a:prstGeom prst="rect">
+            <a:avLst/>
+          </a:prstGeom>
+        </p:spPr>
+      </p:pic>
     </p:spTree>
   </p:cSld>
   <p:clrMapOvr>
@@ -6170,37 +6508,6 @@
       </p:sp>
       <p:sp>
         <p:nvSpPr>
-          <p:cNvPr id="5" name="TextBox 4"/>
-          <p:cNvSpPr txBox="1"/>
-          <p:nvPr/>
-        </p:nvSpPr>
-        <p:spPr>
-          <a:xfrm>
-            <a:off x="539750" y="1484630"/>
-            <a:ext cx="7060565" cy="307777"/>
-          </a:xfrm>
-          <a:prstGeom prst="rect">
-            <a:avLst/>
-          </a:prstGeom>
-          <a:noFill/>
-        </p:spPr>
-        <p:txBody>
-          <a:bodyPr wrap="square" rtlCol="0">
-            <a:spAutoFit/>
-          </a:bodyPr>
-          <a:lstStyle/>
-          <a:p>
-            <a:r>
-              <a:rPr lang="de-DE" sz="1400" dirty="0">
-                <a:latin typeface="Calibri" panose="020F0502020204030204" charset="0"/>
-              </a:rPr>
-              <a:t>Velocity Sprint 2:	36</a:t>
-            </a:r>
-          </a:p>
-        </p:txBody>
-      </p:sp>
-      <p:sp>
-        <p:nvSpPr>
           <p:cNvPr id="8" name="Footer Placeholder 7"/>
           <p:cNvSpPr>
             <a:spLocks noGrp="1"/>
@@ -6252,10 +6559,10 @@
       </p:sp>
       <p:pic>
         <p:nvPicPr>
-          <p:cNvPr id="6" name="Grafik 5">
+          <p:cNvPr id="4" name="Grafik 3">
             <a:extLst>
               <a:ext uri="{FF2B5EF4-FFF2-40B4-BE49-F238E27FC236}">
-                <a16:creationId xmlns:a16="http://schemas.microsoft.com/office/drawing/2014/main" id="{62584EEB-EADB-49C7-EE94-3C88641BCEE9}"/>
+                <a16:creationId xmlns:a16="http://schemas.microsoft.com/office/drawing/2014/main" id="{730ACB8A-E617-B2FB-E415-28288A97AA9C}"/>
               </a:ext>
             </a:extLst>
           </p:cNvPr>
@@ -6272,8 +6579,8 @@
         </p:blipFill>
         <p:spPr>
           <a:xfrm>
-            <a:off x="1232830" y="2076489"/>
-            <a:ext cx="6678339" cy="3995779"/>
+            <a:off x="561225" y="1556792"/>
+            <a:ext cx="8021549" cy="4799559"/>
           </a:xfrm>
           <a:prstGeom prst="rect">
             <a:avLst/>
@@ -6321,14 +6628,11 @@
           <a:lstStyle/>
           <a:p>
             <a:r>
-              <a:rPr lang="de-DE" altLang="en-US" dirty="0" err="1">
+              <a:rPr lang="de-DE" altLang="en-US" dirty="0">
                 <a:latin typeface="Calibri" panose="020F0502020204030204" charset="0"/>
               </a:rPr>
-              <a:t>Sprint Demo</a:t>
-            </a:r>
-            <a:endParaRPr lang="de-DE" altLang="en-US" dirty="0">
-              <a:latin typeface="Calibri" panose="020F0502020204030204" charset="0"/>
-            </a:endParaRPr>
+              <a:t>Sprint Demo - Design</a:t>
+            </a:r>
           </a:p>
         </p:txBody>
       </p:sp>
@@ -6385,10 +6689,10 @@
       </p:sp>
       <p:pic>
         <p:nvPicPr>
-          <p:cNvPr id="4" name="Picture 4">
+          <p:cNvPr id="1028" name="Picture 4">
             <a:extLst>
               <a:ext uri="{FF2B5EF4-FFF2-40B4-BE49-F238E27FC236}">
-                <a16:creationId xmlns:a16="http://schemas.microsoft.com/office/drawing/2014/main" id="{E007F0CA-037F-7327-D790-E9F31B18F634}"/>
+                <a16:creationId xmlns:a16="http://schemas.microsoft.com/office/drawing/2014/main" id="{D9869D83-8CA1-5153-C4A3-EE4632969FE5}"/>
               </a:ext>
             </a:extLst>
           </p:cNvPr>
@@ -6412,8 +6716,8 @@
         </p:blipFill>
         <p:spPr bwMode="auto">
           <a:xfrm>
-            <a:off x="1223241" y="1931165"/>
-            <a:ext cx="6697518" cy="3002335"/>
+            <a:off x="212700" y="1700808"/>
+            <a:ext cx="8718599" cy="4427413"/>
           </a:xfrm>
           <a:prstGeom prst="rect">
             <a:avLst/>
@@ -6434,6 +6738,310 @@
     <p:extLst>
       <p:ext uri="{BB962C8B-B14F-4D97-AF65-F5344CB8AC3E}">
         <p14:creationId xmlns:p14="http://schemas.microsoft.com/office/powerpoint/2010/main" val="1461500628"/>
+      </p:ext>
+    </p:extLst>
+  </p:cSld>
+  <p:clrMapOvr>
+    <a:masterClrMapping/>
+  </p:clrMapOvr>
+</p:sld>
+</file>
+
+<file path=ppt/slides/slide8.xml><?xml version="1.0" encoding="utf-8"?>
+<p:sld xmlns:a="http://schemas.openxmlformats.org/drawingml/2006/main" xmlns:r="http://schemas.openxmlformats.org/officeDocument/2006/relationships" xmlns:p="http://schemas.openxmlformats.org/presentationml/2006/main">
+  <p:cSld>
+    <p:spTree>
+      <p:nvGrpSpPr>
+        <p:cNvPr id="1" name=""/>
+        <p:cNvGrpSpPr/>
+        <p:nvPr/>
+      </p:nvGrpSpPr>
+      <p:grpSpPr>
+        <a:xfrm>
+          <a:off x="0" y="0"/>
+          <a:ext cx="0" cy="0"/>
+          <a:chOff x="0" y="0"/>
+          <a:chExt cx="0" cy="0"/>
+        </a:xfrm>
+      </p:grpSpPr>
+      <p:sp>
+        <p:nvSpPr>
+          <p:cNvPr id="2" name="Title 1"/>
+          <p:cNvSpPr>
+            <a:spLocks noGrp="1"/>
+          </p:cNvSpPr>
+          <p:nvPr>
+            <p:ph type="title"/>
+          </p:nvPr>
+        </p:nvSpPr>
+        <p:spPr/>
+        <p:txBody>
+          <a:bodyPr/>
+          <a:lstStyle/>
+          <a:p>
+            <a:r>
+              <a:rPr lang="de-DE" altLang="en-US" dirty="0">
+                <a:latin typeface="Calibri" panose="020F0502020204030204" charset="0"/>
+              </a:rPr>
+              <a:t>Sprint Demo - Design</a:t>
+            </a:r>
+          </a:p>
+        </p:txBody>
+      </p:sp>
+      <p:sp>
+        <p:nvSpPr>
+          <p:cNvPr id="8" name="Footer Placeholder 7"/>
+          <p:cNvSpPr>
+            <a:spLocks noGrp="1"/>
+          </p:cNvSpPr>
+          <p:nvPr>
+            <p:ph type="ftr" sz="quarter" idx="11"/>
+          </p:nvPr>
+        </p:nvSpPr>
+        <p:spPr/>
+        <p:txBody>
+          <a:bodyPr/>
+          <a:lstStyle/>
+          <a:p>
+            <a:pPr>
+              <a:defRPr/>
+            </a:pPr>
+            <a:r>
+              <a:rPr lang="de-DE"/>
+              <a:t>DI(FH) Falkensteiner Markus</a:t>
+            </a:r>
+          </a:p>
+        </p:txBody>
+      </p:sp>
+      <p:sp>
+        <p:nvSpPr>
+          <p:cNvPr id="9" name="Slide Number Placeholder 8"/>
+          <p:cNvSpPr>
+            <a:spLocks noGrp="1"/>
+          </p:cNvSpPr>
+          <p:nvPr>
+            <p:ph type="sldNum" sz="quarter" idx="12"/>
+          </p:nvPr>
+        </p:nvSpPr>
+        <p:spPr/>
+        <p:txBody>
+          <a:bodyPr/>
+          <a:lstStyle/>
+          <a:p>
+            <a:pPr>
+              <a:defRPr/>
+            </a:pPr>
+            <a:fld id="{AE4538FE-AEB4-413B-B741-EC1BAEEF6B8F}" type="slidenum">
+              <a:rPr lang="de-AT" smtClean="0"/>
+              <a:t>8</a:t>
+            </a:fld>
+            <a:endParaRPr lang="de-AT"/>
+          </a:p>
+        </p:txBody>
+      </p:sp>
+      <p:pic>
+        <p:nvPicPr>
+          <p:cNvPr id="2050" name="Picture 2">
+            <a:extLst>
+              <a:ext uri="{FF2B5EF4-FFF2-40B4-BE49-F238E27FC236}">
+                <a16:creationId xmlns:a16="http://schemas.microsoft.com/office/drawing/2014/main" id="{35F10137-C07C-0ECD-430A-A10111420AF5}"/>
+              </a:ext>
+            </a:extLst>
+          </p:cNvPr>
+          <p:cNvPicPr>
+            <a:picLocks noChangeAspect="1" noChangeArrowheads="1"/>
+          </p:cNvPicPr>
+          <p:nvPr/>
+        </p:nvPicPr>
+        <p:blipFill>
+          <a:blip r:embed="rId2">
+            <a:extLst>
+              <a:ext uri="{28A0092B-C50C-407E-A947-70E740481C1C}">
+                <a14:useLocalDpi xmlns:a14="http://schemas.microsoft.com/office/drawing/2010/main" val="0"/>
+              </a:ext>
+            </a:extLst>
+          </a:blip>
+          <a:srcRect/>
+          <a:stretch>
+            <a:fillRect/>
+          </a:stretch>
+        </p:blipFill>
+        <p:spPr bwMode="auto">
+          <a:xfrm>
+            <a:off x="1144863" y="1609203"/>
+            <a:ext cx="6854274" cy="4883670"/>
+          </a:xfrm>
+          <a:prstGeom prst="rect">
+            <a:avLst/>
+          </a:prstGeom>
+          <a:noFill/>
+          <a:extLst>
+            <a:ext uri="{909E8E84-426E-40DD-AFC4-6F175D3DCCD1}">
+              <a14:hiddenFill xmlns:a14="http://schemas.microsoft.com/office/drawing/2010/main">
+                <a:solidFill>
+                  <a:srgbClr val="FFFFFF"/>
+                </a:solidFill>
+              </a14:hiddenFill>
+            </a:ext>
+          </a:extLst>
+        </p:spPr>
+      </p:pic>
+    </p:spTree>
+    <p:extLst>
+      <p:ext uri="{BB962C8B-B14F-4D97-AF65-F5344CB8AC3E}">
+        <p14:creationId xmlns:p14="http://schemas.microsoft.com/office/powerpoint/2010/main" val="541647772"/>
+      </p:ext>
+    </p:extLst>
+  </p:cSld>
+  <p:clrMapOvr>
+    <a:masterClrMapping/>
+  </p:clrMapOvr>
+</p:sld>
+</file>
+
+<file path=ppt/slides/slide9.xml><?xml version="1.0" encoding="utf-8"?>
+<p:sld xmlns:a="http://schemas.openxmlformats.org/drawingml/2006/main" xmlns:r="http://schemas.openxmlformats.org/officeDocument/2006/relationships" xmlns:p="http://schemas.openxmlformats.org/presentationml/2006/main">
+  <p:cSld>
+    <p:spTree>
+      <p:nvGrpSpPr>
+        <p:cNvPr id="1" name=""/>
+        <p:cNvGrpSpPr/>
+        <p:nvPr/>
+      </p:nvGrpSpPr>
+      <p:grpSpPr>
+        <a:xfrm>
+          <a:off x="0" y="0"/>
+          <a:ext cx="0" cy="0"/>
+          <a:chOff x="0" y="0"/>
+          <a:chExt cx="0" cy="0"/>
+        </a:xfrm>
+      </p:grpSpPr>
+      <p:sp>
+        <p:nvSpPr>
+          <p:cNvPr id="2" name="Title 1"/>
+          <p:cNvSpPr>
+            <a:spLocks noGrp="1"/>
+          </p:cNvSpPr>
+          <p:nvPr>
+            <p:ph type="title"/>
+          </p:nvPr>
+        </p:nvSpPr>
+        <p:spPr/>
+        <p:txBody>
+          <a:bodyPr/>
+          <a:lstStyle/>
+          <a:p>
+            <a:r>
+              <a:rPr lang="de-DE" altLang="en-US" dirty="0">
+                <a:latin typeface="Calibri" panose="020F0502020204030204" charset="0"/>
+              </a:rPr>
+              <a:t>Sprint Demo - Design</a:t>
+            </a:r>
+          </a:p>
+        </p:txBody>
+      </p:sp>
+      <p:sp>
+        <p:nvSpPr>
+          <p:cNvPr id="8" name="Footer Placeholder 7"/>
+          <p:cNvSpPr>
+            <a:spLocks noGrp="1"/>
+          </p:cNvSpPr>
+          <p:nvPr>
+            <p:ph type="ftr" sz="quarter" idx="11"/>
+          </p:nvPr>
+        </p:nvSpPr>
+        <p:spPr/>
+        <p:txBody>
+          <a:bodyPr/>
+          <a:lstStyle/>
+          <a:p>
+            <a:pPr>
+              <a:defRPr/>
+            </a:pPr>
+            <a:r>
+              <a:rPr lang="de-DE"/>
+              <a:t>DI(FH) Falkensteiner Markus</a:t>
+            </a:r>
+          </a:p>
+        </p:txBody>
+      </p:sp>
+      <p:sp>
+        <p:nvSpPr>
+          <p:cNvPr id="9" name="Slide Number Placeholder 8"/>
+          <p:cNvSpPr>
+            <a:spLocks noGrp="1"/>
+          </p:cNvSpPr>
+          <p:nvPr>
+            <p:ph type="sldNum" sz="quarter" idx="12"/>
+          </p:nvPr>
+        </p:nvSpPr>
+        <p:spPr/>
+        <p:txBody>
+          <a:bodyPr/>
+          <a:lstStyle/>
+          <a:p>
+            <a:pPr>
+              <a:defRPr/>
+            </a:pPr>
+            <a:fld id="{AE4538FE-AEB4-413B-B741-EC1BAEEF6B8F}" type="slidenum">
+              <a:rPr lang="de-AT" smtClean="0"/>
+              <a:t>9</a:t>
+            </a:fld>
+            <a:endParaRPr lang="de-AT"/>
+          </a:p>
+        </p:txBody>
+      </p:sp>
+      <p:pic>
+        <p:nvPicPr>
+          <p:cNvPr id="4098" name="Picture 2">
+            <a:extLst>
+              <a:ext uri="{FF2B5EF4-FFF2-40B4-BE49-F238E27FC236}">
+                <a16:creationId xmlns:a16="http://schemas.microsoft.com/office/drawing/2014/main" id="{15E97781-C2B9-8AA7-1709-DFCC8F9222D8}"/>
+              </a:ext>
+            </a:extLst>
+          </p:cNvPr>
+          <p:cNvPicPr>
+            <a:picLocks noChangeAspect="1" noChangeArrowheads="1"/>
+          </p:cNvPicPr>
+          <p:nvPr/>
+        </p:nvPicPr>
+        <p:blipFill>
+          <a:blip r:embed="rId2">
+            <a:extLst>
+              <a:ext uri="{28A0092B-C50C-407E-A947-70E740481C1C}">
+                <a14:useLocalDpi xmlns:a14="http://schemas.microsoft.com/office/drawing/2010/main" val="0"/>
+              </a:ext>
+            </a:extLst>
+          </a:blip>
+          <a:srcRect/>
+          <a:stretch>
+            <a:fillRect/>
+          </a:stretch>
+        </p:blipFill>
+        <p:spPr bwMode="auto">
+          <a:xfrm>
+            <a:off x="1169876" y="1518479"/>
+            <a:ext cx="6804248" cy="4809044"/>
+          </a:xfrm>
+          <a:prstGeom prst="rect">
+            <a:avLst/>
+          </a:prstGeom>
+          <a:noFill/>
+          <a:extLst>
+            <a:ext uri="{909E8E84-426E-40DD-AFC4-6F175D3DCCD1}">
+              <a14:hiddenFill xmlns:a14="http://schemas.microsoft.com/office/drawing/2010/main">
+                <a:solidFill>
+                  <a:srgbClr val="FFFFFF"/>
+                </a:solidFill>
+              </a14:hiddenFill>
+            </a:ext>
+          </a:extLst>
+        </p:spPr>
+      </p:pic>
+    </p:spTree>
+    <p:extLst>
+      <p:ext uri="{BB962C8B-B14F-4D97-AF65-F5344CB8AC3E}">
+        <p14:creationId xmlns:p14="http://schemas.microsoft.com/office/powerpoint/2010/main" val="2078372090"/>
       </p:ext>
     </p:extLst>
   </p:cSld>
@@ -7254,15 +7862,6 @@
 </file>
 
 <file path=customXml/item1.xml><?xml version="1.0" encoding="utf-8"?>
-<?mso-contentType ?>
-<FormTemplates xmlns="http://schemas.microsoft.com/sharepoint/v3/contenttype/forms">
-  <Display>DocumentLibraryForm</Display>
-  <Edit>DocumentLibraryForm</Edit>
-  <New>DocumentLibraryForm</New>
-</FormTemplates>
-</file>
-
-<file path=customXml/item2.xml><?xml version="1.0" encoding="utf-8"?>
 <ct:contentTypeSchema xmlns:ct="http://schemas.microsoft.com/office/2006/metadata/contentType" xmlns:ma="http://schemas.microsoft.com/office/2006/metadata/properties/metaAttributes" ct:_="" ma:_="" ma:contentTypeName="Document" ma:contentTypeID="0x010100F96FFEA2697AA44F9422BCE6ED89663D" ma:contentTypeVersion="4" ma:contentTypeDescription="Create a new document." ma:contentTypeScope="" ma:versionID="0156547c995f25b471677d110e54b618">
   <xsd:schema xmlns:xsd="http://www.w3.org/2001/XMLSchema" xmlns:xs="http://www.w3.org/2001/XMLSchema" xmlns:p="http://schemas.microsoft.com/office/2006/metadata/properties" xmlns:ns2="b7917097-4313-4589-aaf3-1c556b28fe5d" xmlns:ns3="535c1d6f-a806-407c-9432-16e2583423a1" targetNamespace="http://schemas.microsoft.com/office/2006/metadata/properties" ma:root="true" ma:fieldsID="2c66bfdb59d4a9974c7ea90bbcac24e5" ns2:_="" ns3:_="">
     <xsd:import namespace="b7917097-4313-4589-aaf3-1c556b28fe5d"/>
@@ -7427,15 +8026,16 @@
 </ct:contentTypeSchema>
 </file>
 
-<file path=customXml/itemProps1.xml><?xml version="1.0" encoding="utf-8"?>
-<ds:datastoreItem xmlns:ds="http://schemas.openxmlformats.org/officeDocument/2006/customXml" ds:itemID="{75DA91AF-B18D-4223-9DA5-502A6FAA2CC9}">
-  <ds:schemaRefs>
-    <ds:schemaRef ds:uri="http://schemas.microsoft.com/sharepoint/v3/contenttype/forms"/>
-  </ds:schemaRefs>
-</ds:datastoreItem>
+<file path=customXml/item2.xml><?xml version="1.0" encoding="utf-8"?>
+<?mso-contentType ?>
+<FormTemplates xmlns="http://schemas.microsoft.com/sharepoint/v3/contenttype/forms">
+  <Display>DocumentLibraryForm</Display>
+  <Edit>DocumentLibraryForm</Edit>
+  <New>DocumentLibraryForm</New>
+</FormTemplates>
 </file>
 
-<file path=customXml/itemProps2.xml><?xml version="1.0" encoding="utf-8"?>
+<file path=customXml/itemProps1.xml><?xml version="1.0" encoding="utf-8"?>
 <ds:datastoreItem xmlns:ds="http://schemas.openxmlformats.org/officeDocument/2006/customXml" ds:itemID="{B01F0016-C097-448B-867E-52571F2257D5}">
   <ds:schemaRefs>
     <ds:schemaRef ds:uri="http://schemas.microsoft.com/office/2006/metadata/contentType"/>
@@ -7452,4 +8052,12 @@
     <ds:schemaRef ds:uri="http://schemas.microsoft.com/internal/obd"/>
   </ds:schemaRefs>
 </ds:datastoreItem>
+</file>
+
+<file path=customXml/itemProps2.xml><?xml version="1.0" encoding="utf-8"?>
+<ds:datastoreItem xmlns:ds="http://schemas.openxmlformats.org/officeDocument/2006/customXml" ds:itemID="{75DA91AF-B18D-4223-9DA5-502A6FAA2CC9}">
+  <ds:schemaRefs>
+    <ds:schemaRef ds:uri="http://schemas.microsoft.com/sharepoint/v3/contenttype/forms"/>
+  </ds:schemaRefs>
+</ds:datastoreItem>
 </file>
--- a/Scrum_Unterlagen/Reviews/Sprint02_Review.pptx
+++ b/Scrum_Unterlagen/Reviews/Sprint02_Review.pptx
@@ -5321,7 +5321,7 @@
             <a:r>
               <a:rPr lang="de-DE" altLang="en-US" dirty="0">
                 <a:highlight>
-                  <a:srgbClr val="FFFF00"/>
+                  <a:srgbClr val="FF0000"/>
                 </a:highlight>
                 <a:latin typeface="Calibri" panose="020F0502020204030204" charset="0"/>
               </a:rPr>
